--- a/nlp4j/files/icon/NLP4J.pptx
+++ b/nlp4j/files/icon/NLP4J.pptx
@@ -6,6 +6,7 @@
   </p:sldMasterIdLst>
   <p:sldIdLst>
     <p:sldId id="256" r:id="rId2"/>
+    <p:sldId id="257" r:id="rId3"/>
   </p:sldIdLst>
   <p:sldSz cx="12192000" cy="6858000"/>
   <p:notesSz cx="6858000" cy="9144000"/>
@@ -259,7 +260,7 @@
           <a:p>
             <a:fld id="{F5548D86-8EDA-44D4-A0B0-ADDFDDE2514A}" type="datetimeFigureOut">
               <a:rPr kumimoji="1" lang="ja-JP" altLang="en-US" smtClean="0"/>
-              <a:t>2019/8/29</a:t>
+              <a:t>2021/12/11</a:t>
             </a:fld>
             <a:endParaRPr kumimoji="1" lang="ja-JP" altLang="en-US"/>
           </a:p>
@@ -489,7 +490,7 @@
           <a:p>
             <a:fld id="{F5548D86-8EDA-44D4-A0B0-ADDFDDE2514A}" type="datetimeFigureOut">
               <a:rPr kumimoji="1" lang="ja-JP" altLang="en-US" smtClean="0"/>
-              <a:t>2019/8/29</a:t>
+              <a:t>2021/12/11</a:t>
             </a:fld>
             <a:endParaRPr kumimoji="1" lang="ja-JP" altLang="en-US"/>
           </a:p>
@@ -729,7 +730,7 @@
           <a:p>
             <a:fld id="{F5548D86-8EDA-44D4-A0B0-ADDFDDE2514A}" type="datetimeFigureOut">
               <a:rPr kumimoji="1" lang="ja-JP" altLang="en-US" smtClean="0"/>
-              <a:t>2019/8/29</a:t>
+              <a:t>2021/12/11</a:t>
             </a:fld>
             <a:endParaRPr kumimoji="1" lang="ja-JP" altLang="en-US"/>
           </a:p>
@@ -959,7 +960,7 @@
           <a:p>
             <a:fld id="{F5548D86-8EDA-44D4-A0B0-ADDFDDE2514A}" type="datetimeFigureOut">
               <a:rPr kumimoji="1" lang="ja-JP" altLang="en-US" smtClean="0"/>
-              <a:t>2019/8/29</a:t>
+              <a:t>2021/12/11</a:t>
             </a:fld>
             <a:endParaRPr kumimoji="1" lang="ja-JP" altLang="en-US"/>
           </a:p>
@@ -1234,7 +1235,7 @@
           <a:p>
             <a:fld id="{F5548D86-8EDA-44D4-A0B0-ADDFDDE2514A}" type="datetimeFigureOut">
               <a:rPr kumimoji="1" lang="ja-JP" altLang="en-US" smtClean="0"/>
-              <a:t>2019/8/29</a:t>
+              <a:t>2021/12/11</a:t>
             </a:fld>
             <a:endParaRPr kumimoji="1" lang="ja-JP" altLang="en-US"/>
           </a:p>
@@ -1563,7 +1564,7 @@
           <a:p>
             <a:fld id="{F5548D86-8EDA-44D4-A0B0-ADDFDDE2514A}" type="datetimeFigureOut">
               <a:rPr kumimoji="1" lang="ja-JP" altLang="en-US" smtClean="0"/>
-              <a:t>2019/8/29</a:t>
+              <a:t>2021/12/11</a:t>
             </a:fld>
             <a:endParaRPr kumimoji="1" lang="ja-JP" altLang="en-US"/>
           </a:p>
@@ -2039,7 +2040,7 @@
           <a:p>
             <a:fld id="{F5548D86-8EDA-44D4-A0B0-ADDFDDE2514A}" type="datetimeFigureOut">
               <a:rPr kumimoji="1" lang="ja-JP" altLang="en-US" smtClean="0"/>
-              <a:t>2019/8/29</a:t>
+              <a:t>2021/12/11</a:t>
             </a:fld>
             <a:endParaRPr kumimoji="1" lang="ja-JP" altLang="en-US"/>
           </a:p>
@@ -2180,7 +2181,7 @@
           <a:p>
             <a:fld id="{F5548D86-8EDA-44D4-A0B0-ADDFDDE2514A}" type="datetimeFigureOut">
               <a:rPr kumimoji="1" lang="ja-JP" altLang="en-US" smtClean="0"/>
-              <a:t>2019/8/29</a:t>
+              <a:t>2021/12/11</a:t>
             </a:fld>
             <a:endParaRPr kumimoji="1" lang="ja-JP" altLang="en-US"/>
           </a:p>
@@ -2293,7 +2294,7 @@
           <a:p>
             <a:fld id="{F5548D86-8EDA-44D4-A0B0-ADDFDDE2514A}" type="datetimeFigureOut">
               <a:rPr kumimoji="1" lang="ja-JP" altLang="en-US" smtClean="0"/>
-              <a:t>2019/8/29</a:t>
+              <a:t>2021/12/11</a:t>
             </a:fld>
             <a:endParaRPr kumimoji="1" lang="ja-JP" altLang="en-US"/>
           </a:p>
@@ -2636,7 +2637,7 @@
           <a:p>
             <a:fld id="{F5548D86-8EDA-44D4-A0B0-ADDFDDE2514A}" type="datetimeFigureOut">
               <a:rPr kumimoji="1" lang="ja-JP" altLang="en-US" smtClean="0"/>
-              <a:t>2019/8/29</a:t>
+              <a:t>2021/12/11</a:t>
             </a:fld>
             <a:endParaRPr kumimoji="1" lang="ja-JP" altLang="en-US"/>
           </a:p>
@@ -2924,7 +2925,7 @@
           <a:p>
             <a:fld id="{F5548D86-8EDA-44D4-A0B0-ADDFDDE2514A}" type="datetimeFigureOut">
               <a:rPr kumimoji="1" lang="ja-JP" altLang="en-US" smtClean="0"/>
-              <a:t>2019/8/29</a:t>
+              <a:t>2021/12/11</a:t>
             </a:fld>
             <a:endParaRPr kumimoji="1" lang="ja-JP" altLang="en-US"/>
           </a:p>
@@ -3197,7 +3198,7 @@
           <a:p>
             <a:fld id="{F5548D86-8EDA-44D4-A0B0-ADDFDDE2514A}" type="datetimeFigureOut">
               <a:rPr kumimoji="1" lang="ja-JP" altLang="en-US" smtClean="0"/>
-              <a:t>2019/8/29</a:t>
+              <a:t>2021/12/11</a:t>
             </a:fld>
             <a:endParaRPr kumimoji="1" lang="ja-JP" altLang="en-US"/>
           </a:p>
@@ -4391,6 +4392,2438 @@
 </p:sld>
 </file>
 
+<file path=ppt/slides/slide2.xml><?xml version="1.0" encoding="utf-8"?>
+<p:sld xmlns:a="http://schemas.openxmlformats.org/drawingml/2006/main" xmlns:r="http://schemas.openxmlformats.org/officeDocument/2006/relationships" xmlns:p="http://schemas.openxmlformats.org/presentationml/2006/main">
+  <p:cSld>
+    <p:spTree>
+      <p:nvGrpSpPr>
+        <p:cNvPr id="1" name=""/>
+        <p:cNvGrpSpPr/>
+        <p:nvPr/>
+      </p:nvGrpSpPr>
+      <p:grpSpPr>
+        <a:xfrm>
+          <a:off x="0" y="0"/>
+          <a:ext cx="0" cy="0"/>
+          <a:chOff x="0" y="0"/>
+          <a:chExt cx="0" cy="0"/>
+        </a:xfrm>
+      </p:grpSpPr>
+      <p:sp>
+        <p:nvSpPr>
+          <p:cNvPr id="59" name="正方形/長方形 58">
+            <a:extLst>
+              <a:ext uri="{FF2B5EF4-FFF2-40B4-BE49-F238E27FC236}">
+                <a16:creationId xmlns:a16="http://schemas.microsoft.com/office/drawing/2014/main" id="{507FA332-3089-47B6-B20B-9E0C0E145410}"/>
+              </a:ext>
+            </a:extLst>
+          </p:cNvPr>
+          <p:cNvSpPr/>
+          <p:nvPr/>
+        </p:nvSpPr>
+        <p:spPr>
+          <a:xfrm>
+            <a:off x="184560" y="388130"/>
+            <a:ext cx="11643918" cy="3974145"/>
+          </a:xfrm>
+          <a:prstGeom prst="rect">
+            <a:avLst/>
+          </a:prstGeom>
+          <a:noFill/>
+          <a:ln>
+            <a:solidFill>
+              <a:schemeClr val="accent1"/>
+            </a:solidFill>
+          </a:ln>
+        </p:spPr>
+        <p:style>
+          <a:lnRef idx="2">
+            <a:schemeClr val="accent1">
+              <a:shade val="50000"/>
+            </a:schemeClr>
+          </a:lnRef>
+          <a:fillRef idx="1">
+            <a:schemeClr val="accent1"/>
+          </a:fillRef>
+          <a:effectRef idx="0">
+            <a:schemeClr val="accent1"/>
+          </a:effectRef>
+          <a:fontRef idx="minor">
+            <a:schemeClr val="lt1"/>
+          </a:fontRef>
+        </p:style>
+        <p:txBody>
+          <a:bodyPr rtlCol="0" anchor="ctr"/>
+          <a:lstStyle/>
+          <a:p>
+            <a:pPr algn="ctr"/>
+            <a:endParaRPr kumimoji="1" lang="ja-JP" altLang="en-US"/>
+          </a:p>
+        </p:txBody>
+      </p:sp>
+      <p:sp>
+        <p:nvSpPr>
+          <p:cNvPr id="58" name="正方形/長方形 57">
+            <a:extLst>
+              <a:ext uri="{FF2B5EF4-FFF2-40B4-BE49-F238E27FC236}">
+                <a16:creationId xmlns:a16="http://schemas.microsoft.com/office/drawing/2014/main" id="{1383E4AC-7D1C-43D2-83FA-65DFC17B0ED6}"/>
+              </a:ext>
+            </a:extLst>
+          </p:cNvPr>
+          <p:cNvSpPr/>
+          <p:nvPr/>
+        </p:nvSpPr>
+        <p:spPr>
+          <a:xfrm>
+            <a:off x="4471333" y="152297"/>
+            <a:ext cx="1624668" cy="529264"/>
+          </a:xfrm>
+          <a:prstGeom prst="rect">
+            <a:avLst/>
+          </a:prstGeom>
+          <a:solidFill>
+            <a:schemeClr val="bg1"/>
+          </a:solidFill>
+          <a:ln>
+            <a:noFill/>
+          </a:ln>
+        </p:spPr>
+        <p:style>
+          <a:lnRef idx="2">
+            <a:schemeClr val="accent1">
+              <a:shade val="50000"/>
+            </a:schemeClr>
+          </a:lnRef>
+          <a:fillRef idx="1">
+            <a:schemeClr val="accent1"/>
+          </a:fillRef>
+          <a:effectRef idx="0">
+            <a:schemeClr val="accent1"/>
+          </a:effectRef>
+          <a:fontRef idx="minor">
+            <a:schemeClr val="lt1"/>
+          </a:fontRef>
+        </p:style>
+        <p:txBody>
+          <a:bodyPr rtlCol="0" anchor="ctr"/>
+          <a:lstStyle/>
+          <a:p>
+            <a:pPr algn="ctr"/>
+            <a:endParaRPr kumimoji="1" lang="ja-JP" altLang="en-US"/>
+          </a:p>
+        </p:txBody>
+      </p:sp>
+      <p:sp>
+        <p:nvSpPr>
+          <p:cNvPr id="2" name="矢印: 五方向 1">
+            <a:extLst>
+              <a:ext uri="{FF2B5EF4-FFF2-40B4-BE49-F238E27FC236}">
+                <a16:creationId xmlns:a16="http://schemas.microsoft.com/office/drawing/2014/main" id="{EF2C0DEC-3D32-42B4-83A6-B47BA6B233DE}"/>
+              </a:ext>
+            </a:extLst>
+          </p:cNvPr>
+          <p:cNvSpPr/>
+          <p:nvPr/>
+        </p:nvSpPr>
+        <p:spPr>
+          <a:xfrm>
+            <a:off x="302005" y="800681"/>
+            <a:ext cx="3411776" cy="831272"/>
+          </a:xfrm>
+          <a:prstGeom prst="homePlate">
+            <a:avLst/>
+          </a:prstGeom>
+          <a:solidFill>
+            <a:schemeClr val="accent2"/>
+          </a:solidFill>
+          <a:ln>
+            <a:noFill/>
+          </a:ln>
+        </p:spPr>
+        <p:style>
+          <a:lnRef idx="2">
+            <a:schemeClr val="accent1">
+              <a:shade val="50000"/>
+            </a:schemeClr>
+          </a:lnRef>
+          <a:fillRef idx="1">
+            <a:schemeClr val="accent1"/>
+          </a:fillRef>
+          <a:effectRef idx="0">
+            <a:schemeClr val="accent1"/>
+          </a:effectRef>
+          <a:fontRef idx="minor">
+            <a:schemeClr val="lt1"/>
+          </a:fontRef>
+        </p:style>
+        <p:txBody>
+          <a:bodyPr rtlCol="0" anchor="ctr"/>
+          <a:lstStyle/>
+          <a:p>
+            <a:pPr algn="ctr"/>
+            <a:r>
+              <a:rPr kumimoji="1" lang="en-US" altLang="ja-JP" dirty="0"/>
+              <a:t>Document</a:t>
+            </a:r>
+            <a:br>
+              <a:rPr kumimoji="1" lang="en-US" altLang="ja-JP" dirty="0"/>
+            </a:br>
+            <a:r>
+              <a:rPr kumimoji="1" lang="en-US" altLang="ja-JP" dirty="0"/>
+              <a:t>Importer</a:t>
+            </a:r>
+            <a:endParaRPr kumimoji="1" lang="ja-JP" altLang="en-US" dirty="0"/>
+          </a:p>
+        </p:txBody>
+      </p:sp>
+      <p:sp>
+        <p:nvSpPr>
+          <p:cNvPr id="3" name="矢印: 山形 2">
+            <a:extLst>
+              <a:ext uri="{FF2B5EF4-FFF2-40B4-BE49-F238E27FC236}">
+                <a16:creationId xmlns:a16="http://schemas.microsoft.com/office/drawing/2014/main" id="{B9652AA0-18DC-40FE-8994-1E36387D910F}"/>
+              </a:ext>
+            </a:extLst>
+          </p:cNvPr>
+          <p:cNvSpPr/>
+          <p:nvPr/>
+        </p:nvSpPr>
+        <p:spPr>
+          <a:xfrm>
+            <a:off x="3516711" y="800681"/>
+            <a:ext cx="3749880" cy="831272"/>
+          </a:xfrm>
+          <a:prstGeom prst="chevron">
+            <a:avLst/>
+          </a:prstGeom>
+          <a:ln>
+            <a:noFill/>
+          </a:ln>
+        </p:spPr>
+        <p:style>
+          <a:lnRef idx="2">
+            <a:schemeClr val="accent1">
+              <a:shade val="50000"/>
+            </a:schemeClr>
+          </a:lnRef>
+          <a:fillRef idx="1">
+            <a:schemeClr val="accent1"/>
+          </a:fillRef>
+          <a:effectRef idx="0">
+            <a:schemeClr val="accent1"/>
+          </a:effectRef>
+          <a:fontRef idx="minor">
+            <a:schemeClr val="lt1"/>
+          </a:fontRef>
+        </p:style>
+        <p:txBody>
+          <a:bodyPr rtlCol="0" anchor="ctr"/>
+          <a:lstStyle/>
+          <a:p>
+            <a:pPr algn="ctr"/>
+            <a:r>
+              <a:rPr kumimoji="1" lang="en-US" altLang="ja-JP" dirty="0">
+                <a:solidFill>
+                  <a:schemeClr val="bg1"/>
+                </a:solidFill>
+              </a:rPr>
+              <a:t>Document</a:t>
+            </a:r>
+            <a:br>
+              <a:rPr kumimoji="1" lang="en-US" altLang="ja-JP" dirty="0">
+                <a:solidFill>
+                  <a:schemeClr val="bg1"/>
+                </a:solidFill>
+              </a:rPr>
+            </a:br>
+            <a:r>
+              <a:rPr kumimoji="1" lang="en-US" altLang="ja-JP" dirty="0">
+                <a:solidFill>
+                  <a:schemeClr val="bg1"/>
+                </a:solidFill>
+              </a:rPr>
+              <a:t>Annotator</a:t>
+            </a:r>
+            <a:endParaRPr kumimoji="1" lang="ja-JP" altLang="en-US" dirty="0">
+              <a:solidFill>
+                <a:schemeClr val="bg1"/>
+              </a:solidFill>
+            </a:endParaRPr>
+          </a:p>
+        </p:txBody>
+      </p:sp>
+      <p:sp>
+        <p:nvSpPr>
+          <p:cNvPr id="23" name="矢印: 山形 22">
+            <a:extLst>
+              <a:ext uri="{FF2B5EF4-FFF2-40B4-BE49-F238E27FC236}">
+                <a16:creationId xmlns:a16="http://schemas.microsoft.com/office/drawing/2014/main" id="{19970F97-7E75-4C10-B8DC-620D9FBC5E78}"/>
+              </a:ext>
+            </a:extLst>
+          </p:cNvPr>
+          <p:cNvSpPr/>
+          <p:nvPr/>
+        </p:nvSpPr>
+        <p:spPr>
+          <a:xfrm>
+            <a:off x="7021310" y="800681"/>
+            <a:ext cx="3749880" cy="831272"/>
+          </a:xfrm>
+          <a:prstGeom prst="chevron">
+            <a:avLst/>
+          </a:prstGeom>
+          <a:solidFill>
+            <a:schemeClr val="accent6"/>
+          </a:solidFill>
+          <a:ln>
+            <a:noFill/>
+          </a:ln>
+        </p:spPr>
+        <p:style>
+          <a:lnRef idx="2">
+            <a:schemeClr val="accent1">
+              <a:shade val="50000"/>
+            </a:schemeClr>
+          </a:lnRef>
+          <a:fillRef idx="1">
+            <a:schemeClr val="accent1"/>
+          </a:fillRef>
+          <a:effectRef idx="0">
+            <a:schemeClr val="accent1"/>
+          </a:effectRef>
+          <a:fontRef idx="minor">
+            <a:schemeClr val="lt1"/>
+          </a:fontRef>
+        </p:style>
+        <p:txBody>
+          <a:bodyPr rtlCol="0" anchor="ctr"/>
+          <a:lstStyle/>
+          <a:p>
+            <a:pPr algn="ctr"/>
+            <a:r>
+              <a:rPr kumimoji="1" lang="en-US" altLang="ja-JP" dirty="0">
+                <a:solidFill>
+                  <a:schemeClr val="bg1"/>
+                </a:solidFill>
+              </a:rPr>
+              <a:t>Document</a:t>
+            </a:r>
+            <a:br>
+              <a:rPr kumimoji="1" lang="en-US" altLang="ja-JP" dirty="0">
+                <a:solidFill>
+                  <a:schemeClr val="bg1"/>
+                </a:solidFill>
+              </a:rPr>
+            </a:br>
+            <a:r>
+              <a:rPr kumimoji="1" lang="en-US" altLang="ja-JP" dirty="0">
+                <a:solidFill>
+                  <a:schemeClr val="bg1"/>
+                </a:solidFill>
+              </a:rPr>
+              <a:t>Indexer</a:t>
+            </a:r>
+            <a:endParaRPr kumimoji="1" lang="ja-JP" altLang="en-US" dirty="0">
+              <a:solidFill>
+                <a:schemeClr val="bg1"/>
+              </a:solidFill>
+            </a:endParaRPr>
+          </a:p>
+        </p:txBody>
+      </p:sp>
+      <p:sp>
+        <p:nvSpPr>
+          <p:cNvPr id="7" name="正方形/長方形 6">
+            <a:extLst>
+              <a:ext uri="{FF2B5EF4-FFF2-40B4-BE49-F238E27FC236}">
+                <a16:creationId xmlns:a16="http://schemas.microsoft.com/office/drawing/2014/main" id="{C2ED4901-39F0-4677-B259-88D352C2BEEA}"/>
+              </a:ext>
+            </a:extLst>
+          </p:cNvPr>
+          <p:cNvSpPr/>
+          <p:nvPr/>
+        </p:nvSpPr>
+        <p:spPr>
+          <a:xfrm>
+            <a:off x="302005" y="2568307"/>
+            <a:ext cx="890249" cy="720437"/>
+          </a:xfrm>
+          <a:prstGeom prst="rect">
+            <a:avLst/>
+          </a:prstGeom>
+          <a:solidFill>
+            <a:schemeClr val="accent2"/>
+          </a:solidFill>
+          <a:ln>
+            <a:noFill/>
+          </a:ln>
+        </p:spPr>
+        <p:style>
+          <a:lnRef idx="2">
+            <a:schemeClr val="accent1">
+              <a:shade val="50000"/>
+            </a:schemeClr>
+          </a:lnRef>
+          <a:fillRef idx="1">
+            <a:schemeClr val="accent1"/>
+          </a:fillRef>
+          <a:effectRef idx="0">
+            <a:schemeClr val="accent1"/>
+          </a:effectRef>
+          <a:fontRef idx="minor">
+            <a:schemeClr val="lt1"/>
+          </a:fontRef>
+        </p:style>
+        <p:txBody>
+          <a:bodyPr rtlCol="0" anchor="ctr"/>
+          <a:lstStyle/>
+          <a:p>
+            <a:pPr algn="ctr"/>
+            <a:r>
+              <a:rPr kumimoji="1" lang="en-US" altLang="ja-JP" dirty="0"/>
+              <a:t>for CSV</a:t>
+            </a:r>
+            <a:endParaRPr kumimoji="1" lang="ja-JP" altLang="en-US" dirty="0"/>
+          </a:p>
+        </p:txBody>
+      </p:sp>
+      <p:sp>
+        <p:nvSpPr>
+          <p:cNvPr id="24" name="正方形/長方形 23">
+            <a:extLst>
+              <a:ext uri="{FF2B5EF4-FFF2-40B4-BE49-F238E27FC236}">
+                <a16:creationId xmlns:a16="http://schemas.microsoft.com/office/drawing/2014/main" id="{83334452-F8ED-49D1-9B9A-B060E736D19A}"/>
+              </a:ext>
+            </a:extLst>
+          </p:cNvPr>
+          <p:cNvSpPr/>
+          <p:nvPr/>
+        </p:nvSpPr>
+        <p:spPr>
+          <a:xfrm>
+            <a:off x="3516711" y="3474826"/>
+            <a:ext cx="1551711" cy="720437"/>
+          </a:xfrm>
+          <a:prstGeom prst="rect">
+            <a:avLst/>
+          </a:prstGeom>
+          <a:solidFill>
+            <a:schemeClr val="accent1"/>
+          </a:solidFill>
+          <a:ln>
+            <a:noFill/>
+          </a:ln>
+        </p:spPr>
+        <p:style>
+          <a:lnRef idx="2">
+            <a:schemeClr val="accent1">
+              <a:shade val="50000"/>
+            </a:schemeClr>
+          </a:lnRef>
+          <a:fillRef idx="1">
+            <a:schemeClr val="accent1"/>
+          </a:fillRef>
+          <a:effectRef idx="0">
+            <a:schemeClr val="accent1"/>
+          </a:effectRef>
+          <a:fontRef idx="minor">
+            <a:schemeClr val="lt1"/>
+          </a:fontRef>
+        </p:style>
+        <p:txBody>
+          <a:bodyPr rtlCol="0" anchor="ctr"/>
+          <a:lstStyle/>
+          <a:p>
+            <a:pPr algn="ctr"/>
+            <a:r>
+              <a:rPr kumimoji="1" lang="en-US" altLang="ja-JP" sz="1400" dirty="0"/>
+              <a:t>Morphological analysis Annotator</a:t>
+            </a:r>
+            <a:endParaRPr kumimoji="1" lang="ja-JP" altLang="en-US" sz="1400" dirty="0"/>
+          </a:p>
+        </p:txBody>
+      </p:sp>
+      <p:sp>
+        <p:nvSpPr>
+          <p:cNvPr id="25" name="正方形/長方形 24">
+            <a:extLst>
+              <a:ext uri="{FF2B5EF4-FFF2-40B4-BE49-F238E27FC236}">
+                <a16:creationId xmlns:a16="http://schemas.microsoft.com/office/drawing/2014/main" id="{D05B6728-B4EA-4FC1-AA6A-2ED3E0C2C036}"/>
+              </a:ext>
+            </a:extLst>
+          </p:cNvPr>
+          <p:cNvSpPr/>
+          <p:nvPr/>
+        </p:nvSpPr>
+        <p:spPr>
+          <a:xfrm>
+            <a:off x="7403357" y="3096386"/>
+            <a:ext cx="1551711" cy="720437"/>
+          </a:xfrm>
+          <a:prstGeom prst="rect">
+            <a:avLst/>
+          </a:prstGeom>
+          <a:solidFill>
+            <a:schemeClr val="accent6"/>
+          </a:solidFill>
+          <a:ln>
+            <a:noFill/>
+          </a:ln>
+        </p:spPr>
+        <p:style>
+          <a:lnRef idx="2">
+            <a:schemeClr val="accent1">
+              <a:shade val="50000"/>
+            </a:schemeClr>
+          </a:lnRef>
+          <a:fillRef idx="1">
+            <a:schemeClr val="accent1"/>
+          </a:fillRef>
+          <a:effectRef idx="0">
+            <a:schemeClr val="accent1"/>
+          </a:effectRef>
+          <a:fontRef idx="minor">
+            <a:schemeClr val="lt1"/>
+          </a:fontRef>
+        </p:style>
+        <p:txBody>
+          <a:bodyPr rtlCol="0" anchor="ctr"/>
+          <a:lstStyle/>
+          <a:p>
+            <a:pPr algn="ctr"/>
+            <a:r>
+              <a:rPr kumimoji="1" lang="en-US" altLang="ja-JP" dirty="0"/>
+              <a:t>Solr Indexer</a:t>
+            </a:r>
+            <a:endParaRPr kumimoji="1" lang="ja-JP" altLang="en-US" dirty="0"/>
+          </a:p>
+        </p:txBody>
+      </p:sp>
+      <p:sp>
+        <p:nvSpPr>
+          <p:cNvPr id="26" name="正方形/長方形 25">
+            <a:extLst>
+              <a:ext uri="{FF2B5EF4-FFF2-40B4-BE49-F238E27FC236}">
+                <a16:creationId xmlns:a16="http://schemas.microsoft.com/office/drawing/2014/main" id="{2CB5111C-06C7-4C6D-86F9-A89A418ADFB7}"/>
+              </a:ext>
+            </a:extLst>
+          </p:cNvPr>
+          <p:cNvSpPr/>
+          <p:nvPr/>
+        </p:nvSpPr>
+        <p:spPr>
+          <a:xfrm>
+            <a:off x="289355" y="3468853"/>
+            <a:ext cx="3099797" cy="720437"/>
+          </a:xfrm>
+          <a:prstGeom prst="rect">
+            <a:avLst/>
+          </a:prstGeom>
+          <a:solidFill>
+            <a:schemeClr val="accent2"/>
+          </a:solidFill>
+          <a:ln>
+            <a:noFill/>
+          </a:ln>
+        </p:spPr>
+        <p:style>
+          <a:lnRef idx="2">
+            <a:schemeClr val="accent1">
+              <a:shade val="50000"/>
+            </a:schemeClr>
+          </a:lnRef>
+          <a:fillRef idx="1">
+            <a:schemeClr val="accent1"/>
+          </a:fillRef>
+          <a:effectRef idx="0">
+            <a:schemeClr val="accent1"/>
+          </a:effectRef>
+          <a:fontRef idx="minor">
+            <a:schemeClr val="lt1"/>
+          </a:fontRef>
+        </p:style>
+        <p:txBody>
+          <a:bodyPr rtlCol="0" anchor="ctr"/>
+          <a:lstStyle/>
+          <a:p>
+            <a:pPr algn="ctr"/>
+            <a:r>
+              <a:rPr kumimoji="1" lang="en-US" altLang="ja-JP" sz="1600" dirty="0"/>
+              <a:t>Web Crawler</a:t>
+            </a:r>
+            <a:endParaRPr kumimoji="1" lang="ja-JP" altLang="en-US" sz="1600" dirty="0"/>
+          </a:p>
+        </p:txBody>
+      </p:sp>
+      <p:sp>
+        <p:nvSpPr>
+          <p:cNvPr id="27" name="正方形/長方形 26">
+            <a:extLst>
+              <a:ext uri="{FF2B5EF4-FFF2-40B4-BE49-F238E27FC236}">
+                <a16:creationId xmlns:a16="http://schemas.microsoft.com/office/drawing/2014/main" id="{947AEB9D-6ABA-4172-9660-D7BA78886947}"/>
+              </a:ext>
+            </a:extLst>
+          </p:cNvPr>
+          <p:cNvSpPr/>
+          <p:nvPr/>
+        </p:nvSpPr>
+        <p:spPr>
+          <a:xfrm>
+            <a:off x="5219676" y="3474826"/>
+            <a:ext cx="1551711" cy="720437"/>
+          </a:xfrm>
+          <a:prstGeom prst="rect">
+            <a:avLst/>
+          </a:prstGeom>
+          <a:solidFill>
+            <a:schemeClr val="accent1"/>
+          </a:solidFill>
+          <a:ln>
+            <a:noFill/>
+          </a:ln>
+        </p:spPr>
+        <p:style>
+          <a:lnRef idx="2">
+            <a:schemeClr val="accent1">
+              <a:shade val="50000"/>
+            </a:schemeClr>
+          </a:lnRef>
+          <a:fillRef idx="1">
+            <a:schemeClr val="accent1"/>
+          </a:fillRef>
+          <a:effectRef idx="0">
+            <a:schemeClr val="accent1"/>
+          </a:effectRef>
+          <a:fontRef idx="minor">
+            <a:schemeClr val="lt1"/>
+          </a:fontRef>
+        </p:style>
+        <p:txBody>
+          <a:bodyPr rtlCol="0" anchor="ctr"/>
+          <a:lstStyle/>
+          <a:p>
+            <a:pPr algn="ctr"/>
+            <a:r>
+              <a:rPr kumimoji="1" lang="en-US" altLang="ja-JP" sz="1400" dirty="0"/>
+              <a:t>Syntax Tree Annotator</a:t>
+            </a:r>
+            <a:endParaRPr kumimoji="1" lang="ja-JP" altLang="en-US" sz="1400" dirty="0"/>
+          </a:p>
+        </p:txBody>
+      </p:sp>
+      <p:sp>
+        <p:nvSpPr>
+          <p:cNvPr id="29" name="正方形/長方形 28">
+            <a:extLst>
+              <a:ext uri="{FF2B5EF4-FFF2-40B4-BE49-F238E27FC236}">
+                <a16:creationId xmlns:a16="http://schemas.microsoft.com/office/drawing/2014/main" id="{B09985B6-48F8-4358-826F-8DA9F8203664}"/>
+              </a:ext>
+            </a:extLst>
+          </p:cNvPr>
+          <p:cNvSpPr/>
+          <p:nvPr/>
+        </p:nvSpPr>
+        <p:spPr>
+          <a:xfrm>
+            <a:off x="3109250" y="5085429"/>
+            <a:ext cx="1096842" cy="720437"/>
+          </a:xfrm>
+          <a:prstGeom prst="rect">
+            <a:avLst/>
+          </a:prstGeom>
+          <a:solidFill>
+            <a:schemeClr val="bg1"/>
+          </a:solidFill>
+          <a:ln w="38100">
+            <a:solidFill>
+              <a:schemeClr val="accent1"/>
+            </a:solidFill>
+          </a:ln>
+        </p:spPr>
+        <p:style>
+          <a:lnRef idx="2">
+            <a:schemeClr val="accent1">
+              <a:shade val="50000"/>
+            </a:schemeClr>
+          </a:lnRef>
+          <a:fillRef idx="1">
+            <a:schemeClr val="accent1"/>
+          </a:fillRef>
+          <a:effectRef idx="0">
+            <a:schemeClr val="accent1"/>
+          </a:effectRef>
+          <a:fontRef idx="minor">
+            <a:schemeClr val="lt1"/>
+          </a:fontRef>
+        </p:style>
+        <p:txBody>
+          <a:bodyPr rtlCol="0" anchor="ctr"/>
+          <a:lstStyle/>
+          <a:p>
+            <a:pPr algn="ctr"/>
+            <a:r>
+              <a:rPr kumimoji="1" lang="en-US" altLang="ja-JP" sz="1400" dirty="0">
+                <a:solidFill>
+                  <a:schemeClr val="accent1"/>
+                </a:solidFill>
+              </a:rPr>
+              <a:t>Yahoo! Japan NLP API</a:t>
+            </a:r>
+            <a:endParaRPr kumimoji="1" lang="ja-JP" altLang="en-US" sz="1400" dirty="0">
+              <a:solidFill>
+                <a:schemeClr val="accent1"/>
+              </a:solidFill>
+            </a:endParaRPr>
+          </a:p>
+        </p:txBody>
+      </p:sp>
+      <p:sp>
+        <p:nvSpPr>
+          <p:cNvPr id="30" name="正方形/長方形 29">
+            <a:extLst>
+              <a:ext uri="{FF2B5EF4-FFF2-40B4-BE49-F238E27FC236}">
+                <a16:creationId xmlns:a16="http://schemas.microsoft.com/office/drawing/2014/main" id="{101A0720-C209-4725-89AE-963D810545C5}"/>
+              </a:ext>
+            </a:extLst>
+          </p:cNvPr>
+          <p:cNvSpPr/>
+          <p:nvPr/>
+        </p:nvSpPr>
+        <p:spPr>
+          <a:xfrm>
+            <a:off x="3109250" y="5924986"/>
+            <a:ext cx="1096842" cy="720437"/>
+          </a:xfrm>
+          <a:prstGeom prst="rect">
+            <a:avLst/>
+          </a:prstGeom>
+          <a:solidFill>
+            <a:schemeClr val="bg1"/>
+          </a:solidFill>
+          <a:ln w="38100">
+            <a:solidFill>
+              <a:schemeClr val="accent1"/>
+            </a:solidFill>
+          </a:ln>
+        </p:spPr>
+        <p:style>
+          <a:lnRef idx="2">
+            <a:schemeClr val="accent1">
+              <a:shade val="50000"/>
+            </a:schemeClr>
+          </a:lnRef>
+          <a:fillRef idx="1">
+            <a:schemeClr val="accent1"/>
+          </a:fillRef>
+          <a:effectRef idx="0">
+            <a:schemeClr val="accent1"/>
+          </a:effectRef>
+          <a:fontRef idx="minor">
+            <a:schemeClr val="lt1"/>
+          </a:fontRef>
+        </p:style>
+        <p:txBody>
+          <a:bodyPr rtlCol="0" anchor="ctr"/>
+          <a:lstStyle/>
+          <a:p>
+            <a:pPr algn="ctr"/>
+            <a:r>
+              <a:rPr lang="en-US" altLang="ja-JP" sz="1400" dirty="0">
+                <a:solidFill>
+                  <a:schemeClr val="accent1"/>
+                </a:solidFill>
+              </a:rPr>
+              <a:t>Mecab</a:t>
+            </a:r>
+            <a:endParaRPr kumimoji="1" lang="ja-JP" altLang="en-US" sz="1400" dirty="0">
+              <a:solidFill>
+                <a:schemeClr val="accent1"/>
+              </a:solidFill>
+            </a:endParaRPr>
+          </a:p>
+        </p:txBody>
+      </p:sp>
+      <p:sp>
+        <p:nvSpPr>
+          <p:cNvPr id="31" name="正方形/長方形 30">
+            <a:extLst>
+              <a:ext uri="{FF2B5EF4-FFF2-40B4-BE49-F238E27FC236}">
+                <a16:creationId xmlns:a16="http://schemas.microsoft.com/office/drawing/2014/main" id="{662F1222-0DDA-43E6-A28A-718A1B33C837}"/>
+              </a:ext>
+            </a:extLst>
+          </p:cNvPr>
+          <p:cNvSpPr/>
+          <p:nvPr/>
+        </p:nvSpPr>
+        <p:spPr>
+          <a:xfrm>
+            <a:off x="4302557" y="5924986"/>
+            <a:ext cx="1096842" cy="720437"/>
+          </a:xfrm>
+          <a:prstGeom prst="rect">
+            <a:avLst/>
+          </a:prstGeom>
+          <a:solidFill>
+            <a:schemeClr val="bg1"/>
+          </a:solidFill>
+          <a:ln w="38100">
+            <a:solidFill>
+              <a:schemeClr val="accent1"/>
+            </a:solidFill>
+          </a:ln>
+        </p:spPr>
+        <p:style>
+          <a:lnRef idx="2">
+            <a:schemeClr val="accent1">
+              <a:shade val="50000"/>
+            </a:schemeClr>
+          </a:lnRef>
+          <a:fillRef idx="1">
+            <a:schemeClr val="accent1"/>
+          </a:fillRef>
+          <a:effectRef idx="0">
+            <a:schemeClr val="accent1"/>
+          </a:effectRef>
+          <a:fontRef idx="minor">
+            <a:schemeClr val="lt1"/>
+          </a:fontRef>
+        </p:style>
+        <p:txBody>
+          <a:bodyPr rtlCol="0" anchor="ctr"/>
+          <a:lstStyle/>
+          <a:p>
+            <a:pPr algn="ctr"/>
+            <a:r>
+              <a:rPr lang="en-US" altLang="ja-JP" sz="1400" dirty="0">
+                <a:solidFill>
+                  <a:schemeClr val="accent1"/>
+                </a:solidFill>
+              </a:rPr>
+              <a:t>Cabocha</a:t>
+            </a:r>
+            <a:endParaRPr kumimoji="1" lang="ja-JP" altLang="en-US" sz="1400" dirty="0">
+              <a:solidFill>
+                <a:schemeClr val="accent1"/>
+              </a:solidFill>
+            </a:endParaRPr>
+          </a:p>
+        </p:txBody>
+      </p:sp>
+      <p:sp>
+        <p:nvSpPr>
+          <p:cNvPr id="32" name="正方形/長方形 31">
+            <a:extLst>
+              <a:ext uri="{FF2B5EF4-FFF2-40B4-BE49-F238E27FC236}">
+                <a16:creationId xmlns:a16="http://schemas.microsoft.com/office/drawing/2014/main" id="{93DD4536-E606-4D54-BE5C-93FC2224F6B4}"/>
+              </a:ext>
+            </a:extLst>
+          </p:cNvPr>
+          <p:cNvSpPr/>
+          <p:nvPr/>
+        </p:nvSpPr>
+        <p:spPr>
+          <a:xfrm>
+            <a:off x="4302556" y="5078928"/>
+            <a:ext cx="1096842" cy="720437"/>
+          </a:xfrm>
+          <a:prstGeom prst="rect">
+            <a:avLst/>
+          </a:prstGeom>
+          <a:solidFill>
+            <a:schemeClr val="bg1"/>
+          </a:solidFill>
+          <a:ln w="38100">
+            <a:solidFill>
+              <a:schemeClr val="accent1"/>
+            </a:solidFill>
+          </a:ln>
+        </p:spPr>
+        <p:style>
+          <a:lnRef idx="2">
+            <a:schemeClr val="accent1">
+              <a:shade val="50000"/>
+            </a:schemeClr>
+          </a:lnRef>
+          <a:fillRef idx="1">
+            <a:schemeClr val="accent1"/>
+          </a:fillRef>
+          <a:effectRef idx="0">
+            <a:schemeClr val="accent1"/>
+          </a:effectRef>
+          <a:fontRef idx="minor">
+            <a:schemeClr val="lt1"/>
+          </a:fontRef>
+        </p:style>
+        <p:txBody>
+          <a:bodyPr rtlCol="0" anchor="ctr"/>
+          <a:lstStyle/>
+          <a:p>
+            <a:pPr algn="ctr"/>
+            <a:r>
+              <a:rPr lang="en-US" altLang="ja-JP" sz="1400" dirty="0">
+                <a:solidFill>
+                  <a:schemeClr val="accent1"/>
+                </a:solidFill>
+              </a:rPr>
+              <a:t>Ginza</a:t>
+            </a:r>
+            <a:endParaRPr kumimoji="1" lang="ja-JP" altLang="en-US" sz="1400" dirty="0">
+              <a:solidFill>
+                <a:schemeClr val="accent1"/>
+              </a:solidFill>
+            </a:endParaRPr>
+          </a:p>
+        </p:txBody>
+      </p:sp>
+      <p:sp>
+        <p:nvSpPr>
+          <p:cNvPr id="15" name="テキスト ボックス 14">
+            <a:extLst>
+              <a:ext uri="{FF2B5EF4-FFF2-40B4-BE49-F238E27FC236}">
+                <a16:creationId xmlns:a16="http://schemas.microsoft.com/office/drawing/2014/main" id="{90D1ED7C-BE95-4A65-90EA-A1C7F976725D}"/>
+              </a:ext>
+            </a:extLst>
+          </p:cNvPr>
+          <p:cNvSpPr txBox="1"/>
+          <p:nvPr/>
+        </p:nvSpPr>
+        <p:spPr>
+          <a:xfrm>
+            <a:off x="4012010" y="4737252"/>
+            <a:ext cx="2496196" cy="369332"/>
+          </a:xfrm>
+          <a:prstGeom prst="rect">
+            <a:avLst/>
+          </a:prstGeom>
+          <a:noFill/>
+        </p:spPr>
+        <p:txBody>
+          <a:bodyPr wrap="none" rtlCol="0">
+            <a:spAutoFit/>
+          </a:bodyPr>
+          <a:lstStyle/>
+          <a:p>
+            <a:pPr algn="ctr"/>
+            <a:r>
+              <a:rPr kumimoji="1" lang="en-US" altLang="ja-JP" dirty="0"/>
+              <a:t>External NLP Engines</a:t>
+            </a:r>
+            <a:endParaRPr kumimoji="1" lang="ja-JP" altLang="en-US" dirty="0"/>
+          </a:p>
+        </p:txBody>
+      </p:sp>
+      <p:sp>
+        <p:nvSpPr>
+          <p:cNvPr id="35" name="矢印: 五方向 34">
+            <a:extLst>
+              <a:ext uri="{FF2B5EF4-FFF2-40B4-BE49-F238E27FC236}">
+                <a16:creationId xmlns:a16="http://schemas.microsoft.com/office/drawing/2014/main" id="{CFCCEDA0-DE5F-41A5-BE54-A1A635C673DA}"/>
+              </a:ext>
+            </a:extLst>
+          </p:cNvPr>
+          <p:cNvSpPr/>
+          <p:nvPr/>
+        </p:nvSpPr>
+        <p:spPr>
+          <a:xfrm>
+            <a:off x="302005" y="1709359"/>
+            <a:ext cx="10448285" cy="369332"/>
+          </a:xfrm>
+          <a:prstGeom prst="homePlate">
+            <a:avLst/>
+          </a:prstGeom>
+          <a:solidFill>
+            <a:schemeClr val="tx2"/>
+          </a:solidFill>
+          <a:ln>
+            <a:noFill/>
+          </a:ln>
+        </p:spPr>
+        <p:style>
+          <a:lnRef idx="2">
+            <a:schemeClr val="accent1">
+              <a:shade val="50000"/>
+            </a:schemeClr>
+          </a:lnRef>
+          <a:fillRef idx="1">
+            <a:schemeClr val="accent1"/>
+          </a:fillRef>
+          <a:effectRef idx="0">
+            <a:schemeClr val="accent1"/>
+          </a:effectRef>
+          <a:fontRef idx="minor">
+            <a:schemeClr val="lt1"/>
+          </a:fontRef>
+        </p:style>
+        <p:txBody>
+          <a:bodyPr rtlCol="0" anchor="ctr"/>
+          <a:lstStyle/>
+          <a:p>
+            <a:pPr algn="ctr"/>
+            <a:r>
+              <a:rPr kumimoji="1" lang="en-US" altLang="ja-JP" dirty="0"/>
+              <a:t>Document Process Pipeline</a:t>
+            </a:r>
+            <a:endParaRPr kumimoji="1" lang="ja-JP" altLang="en-US" dirty="0"/>
+          </a:p>
+        </p:txBody>
+      </p:sp>
+      <p:sp>
+        <p:nvSpPr>
+          <p:cNvPr id="36" name="正方形/長方形 35">
+            <a:extLst>
+              <a:ext uri="{FF2B5EF4-FFF2-40B4-BE49-F238E27FC236}">
+                <a16:creationId xmlns:a16="http://schemas.microsoft.com/office/drawing/2014/main" id="{AFA9B6F6-AF87-4D90-BCE5-CF4243440170}"/>
+              </a:ext>
+            </a:extLst>
+          </p:cNvPr>
+          <p:cNvSpPr/>
+          <p:nvPr/>
+        </p:nvSpPr>
+        <p:spPr>
+          <a:xfrm>
+            <a:off x="9106322" y="3096386"/>
+            <a:ext cx="1551711" cy="720437"/>
+          </a:xfrm>
+          <a:prstGeom prst="rect">
+            <a:avLst/>
+          </a:prstGeom>
+          <a:solidFill>
+            <a:schemeClr val="accent6"/>
+          </a:solidFill>
+          <a:ln>
+            <a:noFill/>
+          </a:ln>
+        </p:spPr>
+        <p:style>
+          <a:lnRef idx="2">
+            <a:schemeClr val="accent1">
+              <a:shade val="50000"/>
+            </a:schemeClr>
+          </a:lnRef>
+          <a:fillRef idx="1">
+            <a:schemeClr val="accent1"/>
+          </a:fillRef>
+          <a:effectRef idx="0">
+            <a:schemeClr val="accent1"/>
+          </a:effectRef>
+          <a:fontRef idx="minor">
+            <a:schemeClr val="lt1"/>
+          </a:fontRef>
+        </p:style>
+        <p:txBody>
+          <a:bodyPr rtlCol="0" anchor="ctr"/>
+          <a:lstStyle/>
+          <a:p>
+            <a:pPr algn="ctr"/>
+            <a:r>
+              <a:rPr kumimoji="1" lang="en-US" altLang="ja-JP" sz="1600" dirty="0"/>
+              <a:t>Azure Search Indexer</a:t>
+            </a:r>
+            <a:endParaRPr kumimoji="1" lang="ja-JP" altLang="en-US" sz="1600" dirty="0"/>
+          </a:p>
+        </p:txBody>
+      </p:sp>
+      <p:sp>
+        <p:nvSpPr>
+          <p:cNvPr id="37" name="矢印: 五方向 36">
+            <a:extLst>
+              <a:ext uri="{FF2B5EF4-FFF2-40B4-BE49-F238E27FC236}">
+                <a16:creationId xmlns:a16="http://schemas.microsoft.com/office/drawing/2014/main" id="{9AFD0A94-5E1C-4577-A95D-EF7CED4FD7F9}"/>
+              </a:ext>
+            </a:extLst>
+          </p:cNvPr>
+          <p:cNvSpPr/>
+          <p:nvPr/>
+        </p:nvSpPr>
+        <p:spPr>
+          <a:xfrm>
+            <a:off x="302005" y="2138649"/>
+            <a:ext cx="10469186" cy="369332"/>
+          </a:xfrm>
+          <a:prstGeom prst="homePlate">
+            <a:avLst/>
+          </a:prstGeom>
+          <a:solidFill>
+            <a:schemeClr val="tx2"/>
+          </a:solidFill>
+          <a:ln>
+            <a:noFill/>
+          </a:ln>
+        </p:spPr>
+        <p:style>
+          <a:lnRef idx="2">
+            <a:schemeClr val="accent1">
+              <a:shade val="50000"/>
+            </a:schemeClr>
+          </a:lnRef>
+          <a:fillRef idx="1">
+            <a:schemeClr val="accent1"/>
+          </a:fillRef>
+          <a:effectRef idx="0">
+            <a:schemeClr val="accent1"/>
+          </a:effectRef>
+          <a:fontRef idx="minor">
+            <a:schemeClr val="lt1"/>
+          </a:fontRef>
+        </p:style>
+        <p:txBody>
+          <a:bodyPr rtlCol="0" anchor="ctr"/>
+          <a:lstStyle/>
+          <a:p>
+            <a:pPr algn="ctr"/>
+            <a:r>
+              <a:rPr kumimoji="1" lang="en-US" altLang="ja-JP" dirty="0"/>
+              <a:t>Document Data Model &amp; Utilities</a:t>
+            </a:r>
+            <a:endParaRPr kumimoji="1" lang="ja-JP" altLang="en-US" dirty="0"/>
+          </a:p>
+        </p:txBody>
+      </p:sp>
+      <p:sp>
+        <p:nvSpPr>
+          <p:cNvPr id="38" name="正方形/長方形 37">
+            <a:extLst>
+              <a:ext uri="{FF2B5EF4-FFF2-40B4-BE49-F238E27FC236}">
+                <a16:creationId xmlns:a16="http://schemas.microsoft.com/office/drawing/2014/main" id="{A8EE8537-2101-4B1C-9CBF-008EF57F974F}"/>
+              </a:ext>
+            </a:extLst>
+          </p:cNvPr>
+          <p:cNvSpPr/>
+          <p:nvPr/>
+        </p:nvSpPr>
+        <p:spPr>
+          <a:xfrm>
+            <a:off x="5479965" y="5920900"/>
+            <a:ext cx="1096842" cy="720437"/>
+          </a:xfrm>
+          <a:prstGeom prst="rect">
+            <a:avLst/>
+          </a:prstGeom>
+          <a:solidFill>
+            <a:schemeClr val="bg1"/>
+          </a:solidFill>
+          <a:ln w="38100">
+            <a:solidFill>
+              <a:schemeClr val="accent1"/>
+            </a:solidFill>
+          </a:ln>
+        </p:spPr>
+        <p:style>
+          <a:lnRef idx="2">
+            <a:schemeClr val="accent1">
+              <a:shade val="50000"/>
+            </a:schemeClr>
+          </a:lnRef>
+          <a:fillRef idx="1">
+            <a:schemeClr val="accent1"/>
+          </a:fillRef>
+          <a:effectRef idx="0">
+            <a:schemeClr val="accent1"/>
+          </a:effectRef>
+          <a:fontRef idx="minor">
+            <a:schemeClr val="lt1"/>
+          </a:fontRef>
+        </p:style>
+        <p:txBody>
+          <a:bodyPr rtlCol="0" anchor="ctr"/>
+          <a:lstStyle/>
+          <a:p>
+            <a:pPr algn="ctr"/>
+            <a:r>
+              <a:rPr lang="en-US" altLang="ja-JP" sz="1400" dirty="0">
+                <a:solidFill>
+                  <a:schemeClr val="accent1"/>
+                </a:solidFill>
+              </a:rPr>
+              <a:t>Stanford NLP</a:t>
+            </a:r>
+            <a:endParaRPr kumimoji="1" lang="ja-JP" altLang="en-US" sz="1400" dirty="0">
+              <a:solidFill>
+                <a:schemeClr val="accent1"/>
+              </a:solidFill>
+            </a:endParaRPr>
+          </a:p>
+        </p:txBody>
+      </p:sp>
+      <p:sp>
+        <p:nvSpPr>
+          <p:cNvPr id="39" name="正方形/長方形 38">
+            <a:extLst>
+              <a:ext uri="{FF2B5EF4-FFF2-40B4-BE49-F238E27FC236}">
+                <a16:creationId xmlns:a16="http://schemas.microsoft.com/office/drawing/2014/main" id="{96805BBF-BE23-4EBC-95D8-C5AE1B5AB8E5}"/>
+              </a:ext>
+            </a:extLst>
+          </p:cNvPr>
+          <p:cNvSpPr/>
+          <p:nvPr/>
+        </p:nvSpPr>
+        <p:spPr>
+          <a:xfrm>
+            <a:off x="5219676" y="2637849"/>
+            <a:ext cx="1551711" cy="720437"/>
+          </a:xfrm>
+          <a:prstGeom prst="rect">
+            <a:avLst/>
+          </a:prstGeom>
+          <a:solidFill>
+            <a:schemeClr val="accent1"/>
+          </a:solidFill>
+          <a:ln>
+            <a:noFill/>
+          </a:ln>
+        </p:spPr>
+        <p:style>
+          <a:lnRef idx="2">
+            <a:schemeClr val="accent1">
+              <a:shade val="50000"/>
+            </a:schemeClr>
+          </a:lnRef>
+          <a:fillRef idx="1">
+            <a:schemeClr val="accent1"/>
+          </a:fillRef>
+          <a:effectRef idx="0">
+            <a:schemeClr val="accent1"/>
+          </a:effectRef>
+          <a:fontRef idx="minor">
+            <a:schemeClr val="lt1"/>
+          </a:fontRef>
+        </p:style>
+        <p:txBody>
+          <a:bodyPr rtlCol="0" anchor="ctr"/>
+          <a:lstStyle/>
+          <a:p>
+            <a:pPr algn="ctr"/>
+            <a:r>
+              <a:rPr kumimoji="1" lang="en-US" altLang="ja-JP" sz="1400" dirty="0"/>
+              <a:t>Syntax Tree Pattern Matcher</a:t>
+            </a:r>
+            <a:endParaRPr kumimoji="1" lang="ja-JP" altLang="en-US" sz="1400" dirty="0"/>
+          </a:p>
+        </p:txBody>
+      </p:sp>
+      <p:sp>
+        <p:nvSpPr>
+          <p:cNvPr id="41" name="テキスト ボックス 40">
+            <a:extLst>
+              <a:ext uri="{FF2B5EF4-FFF2-40B4-BE49-F238E27FC236}">
+                <a16:creationId xmlns:a16="http://schemas.microsoft.com/office/drawing/2014/main" id="{CF20C136-FA9E-4C51-9A33-9B56AED68DAE}"/>
+              </a:ext>
+            </a:extLst>
+          </p:cNvPr>
+          <p:cNvSpPr txBox="1"/>
+          <p:nvPr/>
+        </p:nvSpPr>
+        <p:spPr>
+          <a:xfrm>
+            <a:off x="7715782" y="4709596"/>
+            <a:ext cx="2818400" cy="369332"/>
+          </a:xfrm>
+          <a:prstGeom prst="rect">
+            <a:avLst/>
+          </a:prstGeom>
+          <a:noFill/>
+        </p:spPr>
+        <p:txBody>
+          <a:bodyPr wrap="none" rtlCol="0">
+            <a:spAutoFit/>
+          </a:bodyPr>
+          <a:lstStyle/>
+          <a:p>
+            <a:pPr algn="ctr"/>
+            <a:r>
+              <a:rPr kumimoji="1" lang="en-US" altLang="ja-JP" dirty="0"/>
+              <a:t>External Search Services</a:t>
+            </a:r>
+            <a:endParaRPr kumimoji="1" lang="ja-JP" altLang="en-US" dirty="0"/>
+          </a:p>
+        </p:txBody>
+      </p:sp>
+      <p:sp>
+        <p:nvSpPr>
+          <p:cNvPr id="42" name="正方形/長方形 41">
+            <a:extLst>
+              <a:ext uri="{FF2B5EF4-FFF2-40B4-BE49-F238E27FC236}">
+                <a16:creationId xmlns:a16="http://schemas.microsoft.com/office/drawing/2014/main" id="{B7A78E02-35D6-43FB-B104-A934292877F9}"/>
+              </a:ext>
+            </a:extLst>
+          </p:cNvPr>
+          <p:cNvSpPr/>
+          <p:nvPr/>
+        </p:nvSpPr>
+        <p:spPr>
+          <a:xfrm>
+            <a:off x="3493954" y="2637849"/>
+            <a:ext cx="1551711" cy="720437"/>
+          </a:xfrm>
+          <a:prstGeom prst="rect">
+            <a:avLst/>
+          </a:prstGeom>
+          <a:solidFill>
+            <a:schemeClr val="accent1"/>
+          </a:solidFill>
+          <a:ln>
+            <a:noFill/>
+          </a:ln>
+        </p:spPr>
+        <p:style>
+          <a:lnRef idx="2">
+            <a:schemeClr val="accent1">
+              <a:shade val="50000"/>
+            </a:schemeClr>
+          </a:lnRef>
+          <a:fillRef idx="1">
+            <a:schemeClr val="accent1"/>
+          </a:fillRef>
+          <a:effectRef idx="0">
+            <a:schemeClr val="accent1"/>
+          </a:effectRef>
+          <a:fontRef idx="minor">
+            <a:schemeClr val="lt1"/>
+          </a:fontRef>
+        </p:style>
+        <p:txBody>
+          <a:bodyPr rtlCol="0" anchor="ctr"/>
+          <a:lstStyle/>
+          <a:p>
+            <a:pPr algn="ctr"/>
+            <a:r>
+              <a:rPr kumimoji="1" lang="en-US" altLang="ja-JP" sz="1400" dirty="0"/>
+              <a:t>Data Converter</a:t>
+            </a:r>
+            <a:endParaRPr kumimoji="1" lang="ja-JP" altLang="en-US" sz="1400" dirty="0"/>
+          </a:p>
+        </p:txBody>
+      </p:sp>
+      <p:sp>
+        <p:nvSpPr>
+          <p:cNvPr id="43" name="正方形/長方形 42">
+            <a:extLst>
+              <a:ext uri="{FF2B5EF4-FFF2-40B4-BE49-F238E27FC236}">
+                <a16:creationId xmlns:a16="http://schemas.microsoft.com/office/drawing/2014/main" id="{C3037040-3CE3-464D-B8CD-D1194327DAC1}"/>
+              </a:ext>
+            </a:extLst>
+          </p:cNvPr>
+          <p:cNvSpPr/>
+          <p:nvPr/>
+        </p:nvSpPr>
+        <p:spPr>
+          <a:xfrm>
+            <a:off x="1386215" y="2568307"/>
+            <a:ext cx="890249" cy="720437"/>
+          </a:xfrm>
+          <a:prstGeom prst="rect">
+            <a:avLst/>
+          </a:prstGeom>
+          <a:solidFill>
+            <a:schemeClr val="accent2"/>
+          </a:solidFill>
+          <a:ln>
+            <a:noFill/>
+          </a:ln>
+        </p:spPr>
+        <p:style>
+          <a:lnRef idx="2">
+            <a:schemeClr val="accent1">
+              <a:shade val="50000"/>
+            </a:schemeClr>
+          </a:lnRef>
+          <a:fillRef idx="1">
+            <a:schemeClr val="accent1"/>
+          </a:fillRef>
+          <a:effectRef idx="0">
+            <a:schemeClr val="accent1"/>
+          </a:effectRef>
+          <a:fontRef idx="minor">
+            <a:schemeClr val="lt1"/>
+          </a:fontRef>
+        </p:style>
+        <p:txBody>
+          <a:bodyPr rtlCol="0" anchor="ctr"/>
+          <a:lstStyle/>
+          <a:p>
+            <a:pPr algn="ctr"/>
+            <a:r>
+              <a:rPr kumimoji="1" lang="en-US" altLang="ja-JP" dirty="0"/>
+              <a:t>for JSON</a:t>
+            </a:r>
+            <a:endParaRPr kumimoji="1" lang="ja-JP" altLang="en-US" dirty="0"/>
+          </a:p>
+        </p:txBody>
+      </p:sp>
+      <p:sp>
+        <p:nvSpPr>
+          <p:cNvPr id="44" name="正方形/長方形 43">
+            <a:extLst>
+              <a:ext uri="{FF2B5EF4-FFF2-40B4-BE49-F238E27FC236}">
+                <a16:creationId xmlns:a16="http://schemas.microsoft.com/office/drawing/2014/main" id="{28BF2F02-AD06-4622-85F8-3F48FECD3823}"/>
+              </a:ext>
+            </a:extLst>
+          </p:cNvPr>
+          <p:cNvSpPr/>
+          <p:nvPr/>
+        </p:nvSpPr>
+        <p:spPr>
+          <a:xfrm>
+            <a:off x="2427718" y="2564193"/>
+            <a:ext cx="890249" cy="720437"/>
+          </a:xfrm>
+          <a:prstGeom prst="rect">
+            <a:avLst/>
+          </a:prstGeom>
+          <a:solidFill>
+            <a:schemeClr val="accent2"/>
+          </a:solidFill>
+          <a:ln>
+            <a:noFill/>
+          </a:ln>
+        </p:spPr>
+        <p:style>
+          <a:lnRef idx="2">
+            <a:schemeClr val="accent1">
+              <a:shade val="50000"/>
+            </a:schemeClr>
+          </a:lnRef>
+          <a:fillRef idx="1">
+            <a:schemeClr val="accent1"/>
+          </a:fillRef>
+          <a:effectRef idx="0">
+            <a:schemeClr val="accent1"/>
+          </a:effectRef>
+          <a:fontRef idx="minor">
+            <a:schemeClr val="lt1"/>
+          </a:fontRef>
+        </p:style>
+        <p:txBody>
+          <a:bodyPr rtlCol="0" anchor="ctr"/>
+          <a:lstStyle/>
+          <a:p>
+            <a:pPr algn="ctr"/>
+            <a:r>
+              <a:rPr kumimoji="1" lang="en-US" altLang="ja-JP" dirty="0"/>
+              <a:t>for Text</a:t>
+            </a:r>
+            <a:endParaRPr kumimoji="1" lang="ja-JP" altLang="en-US" dirty="0"/>
+          </a:p>
+        </p:txBody>
+      </p:sp>
+      <p:sp>
+        <p:nvSpPr>
+          <p:cNvPr id="45" name="正方形/長方形 44">
+            <a:extLst>
+              <a:ext uri="{FF2B5EF4-FFF2-40B4-BE49-F238E27FC236}">
+                <a16:creationId xmlns:a16="http://schemas.microsoft.com/office/drawing/2014/main" id="{6904A2EE-C355-4CB8-B7E4-05F79E35FADA}"/>
+              </a:ext>
+            </a:extLst>
+          </p:cNvPr>
+          <p:cNvSpPr/>
+          <p:nvPr/>
+        </p:nvSpPr>
+        <p:spPr>
+          <a:xfrm>
+            <a:off x="7554611" y="5085429"/>
+            <a:ext cx="1551711" cy="720437"/>
+          </a:xfrm>
+          <a:prstGeom prst="rect">
+            <a:avLst/>
+          </a:prstGeom>
+          <a:solidFill>
+            <a:schemeClr val="bg1"/>
+          </a:solidFill>
+          <a:ln w="38100">
+            <a:solidFill>
+              <a:schemeClr val="accent1"/>
+            </a:solidFill>
+          </a:ln>
+        </p:spPr>
+        <p:style>
+          <a:lnRef idx="2">
+            <a:schemeClr val="accent1">
+              <a:shade val="50000"/>
+            </a:schemeClr>
+          </a:lnRef>
+          <a:fillRef idx="1">
+            <a:schemeClr val="accent1"/>
+          </a:fillRef>
+          <a:effectRef idx="0">
+            <a:schemeClr val="accent1"/>
+          </a:effectRef>
+          <a:fontRef idx="minor">
+            <a:schemeClr val="lt1"/>
+          </a:fontRef>
+        </p:style>
+        <p:txBody>
+          <a:bodyPr rtlCol="0" anchor="ctr"/>
+          <a:lstStyle/>
+          <a:p>
+            <a:pPr algn="ctr"/>
+            <a:r>
+              <a:rPr lang="en-US" altLang="ja-JP" sz="1400" dirty="0">
+                <a:solidFill>
+                  <a:schemeClr val="accent1"/>
+                </a:solidFill>
+              </a:rPr>
+              <a:t>Apache Solr</a:t>
+            </a:r>
+            <a:endParaRPr kumimoji="1" lang="ja-JP" altLang="en-US" sz="1400" dirty="0">
+              <a:solidFill>
+                <a:schemeClr val="accent1"/>
+              </a:solidFill>
+            </a:endParaRPr>
+          </a:p>
+        </p:txBody>
+      </p:sp>
+      <p:sp>
+        <p:nvSpPr>
+          <p:cNvPr id="46" name="正方形/長方形 45">
+            <a:extLst>
+              <a:ext uri="{FF2B5EF4-FFF2-40B4-BE49-F238E27FC236}">
+                <a16:creationId xmlns:a16="http://schemas.microsoft.com/office/drawing/2014/main" id="{E986FF87-583F-4129-849F-7B5A4DDECD88}"/>
+              </a:ext>
+            </a:extLst>
+          </p:cNvPr>
+          <p:cNvSpPr/>
+          <p:nvPr/>
+        </p:nvSpPr>
+        <p:spPr>
+          <a:xfrm>
+            <a:off x="7554611" y="5925797"/>
+            <a:ext cx="1551711" cy="720437"/>
+          </a:xfrm>
+          <a:prstGeom prst="rect">
+            <a:avLst/>
+          </a:prstGeom>
+          <a:solidFill>
+            <a:schemeClr val="bg1"/>
+          </a:solidFill>
+          <a:ln w="38100">
+            <a:solidFill>
+              <a:schemeClr val="accent1"/>
+            </a:solidFill>
+          </a:ln>
+        </p:spPr>
+        <p:style>
+          <a:lnRef idx="2">
+            <a:schemeClr val="accent1">
+              <a:shade val="50000"/>
+            </a:schemeClr>
+          </a:lnRef>
+          <a:fillRef idx="1">
+            <a:schemeClr val="accent1"/>
+          </a:fillRef>
+          <a:effectRef idx="0">
+            <a:schemeClr val="accent1"/>
+          </a:effectRef>
+          <a:fontRef idx="minor">
+            <a:schemeClr val="lt1"/>
+          </a:fontRef>
+        </p:style>
+        <p:txBody>
+          <a:bodyPr rtlCol="0" anchor="ctr"/>
+          <a:lstStyle/>
+          <a:p>
+            <a:pPr algn="ctr"/>
+            <a:r>
+              <a:rPr lang="en-US" altLang="ja-JP" sz="1400" dirty="0">
+                <a:solidFill>
+                  <a:schemeClr val="accent1"/>
+                </a:solidFill>
+              </a:rPr>
+              <a:t>Azure Search Service</a:t>
+            </a:r>
+            <a:endParaRPr kumimoji="1" lang="ja-JP" altLang="en-US" sz="1400" dirty="0">
+              <a:solidFill>
+                <a:schemeClr val="accent1"/>
+              </a:solidFill>
+            </a:endParaRPr>
+          </a:p>
+        </p:txBody>
+      </p:sp>
+      <p:sp>
+        <p:nvSpPr>
+          <p:cNvPr id="47" name="正方形/長方形 46">
+            <a:extLst>
+              <a:ext uri="{FF2B5EF4-FFF2-40B4-BE49-F238E27FC236}">
+                <a16:creationId xmlns:a16="http://schemas.microsoft.com/office/drawing/2014/main" id="{75FFFE20-2821-4827-AF6E-3FF75E8DC460}"/>
+              </a:ext>
+            </a:extLst>
+          </p:cNvPr>
+          <p:cNvSpPr/>
+          <p:nvPr/>
+        </p:nvSpPr>
+        <p:spPr>
+          <a:xfrm>
+            <a:off x="212653" y="5085429"/>
+            <a:ext cx="931926" cy="720437"/>
+          </a:xfrm>
+          <a:prstGeom prst="rect">
+            <a:avLst/>
+          </a:prstGeom>
+          <a:solidFill>
+            <a:schemeClr val="bg1"/>
+          </a:solidFill>
+          <a:ln w="38100">
+            <a:solidFill>
+              <a:schemeClr val="accent1"/>
+            </a:solidFill>
+          </a:ln>
+        </p:spPr>
+        <p:style>
+          <a:lnRef idx="2">
+            <a:schemeClr val="accent1">
+              <a:shade val="50000"/>
+            </a:schemeClr>
+          </a:lnRef>
+          <a:fillRef idx="1">
+            <a:schemeClr val="accent1"/>
+          </a:fillRef>
+          <a:effectRef idx="0">
+            <a:schemeClr val="accent1"/>
+          </a:effectRef>
+          <a:fontRef idx="minor">
+            <a:schemeClr val="lt1"/>
+          </a:fontRef>
+        </p:style>
+        <p:txBody>
+          <a:bodyPr rtlCol="0" anchor="ctr"/>
+          <a:lstStyle/>
+          <a:p>
+            <a:pPr algn="ctr"/>
+            <a:r>
+              <a:rPr kumimoji="1" lang="en-US" altLang="ja-JP" sz="1400" dirty="0">
+                <a:solidFill>
+                  <a:schemeClr val="accent1"/>
+                </a:solidFill>
+              </a:rPr>
+              <a:t>NHTSA</a:t>
+            </a:r>
+            <a:endParaRPr kumimoji="1" lang="ja-JP" altLang="en-US" sz="1400" dirty="0">
+              <a:solidFill>
+                <a:schemeClr val="accent1"/>
+              </a:solidFill>
+            </a:endParaRPr>
+          </a:p>
+        </p:txBody>
+      </p:sp>
+      <p:sp>
+        <p:nvSpPr>
+          <p:cNvPr id="48" name="正方形/長方形 47">
+            <a:extLst>
+              <a:ext uri="{FF2B5EF4-FFF2-40B4-BE49-F238E27FC236}">
+                <a16:creationId xmlns:a16="http://schemas.microsoft.com/office/drawing/2014/main" id="{3E8B36F8-7890-4369-9852-7DCA5A6C5C1A}"/>
+              </a:ext>
+            </a:extLst>
+          </p:cNvPr>
+          <p:cNvSpPr/>
+          <p:nvPr/>
+        </p:nvSpPr>
+        <p:spPr>
+          <a:xfrm>
+            <a:off x="212651" y="5933150"/>
+            <a:ext cx="931927" cy="720437"/>
+          </a:xfrm>
+          <a:prstGeom prst="rect">
+            <a:avLst/>
+          </a:prstGeom>
+          <a:solidFill>
+            <a:schemeClr val="bg1"/>
+          </a:solidFill>
+          <a:ln w="38100">
+            <a:solidFill>
+              <a:schemeClr val="accent1"/>
+            </a:solidFill>
+          </a:ln>
+        </p:spPr>
+        <p:style>
+          <a:lnRef idx="2">
+            <a:schemeClr val="accent1">
+              <a:shade val="50000"/>
+            </a:schemeClr>
+          </a:lnRef>
+          <a:fillRef idx="1">
+            <a:schemeClr val="accent1"/>
+          </a:fillRef>
+          <a:effectRef idx="0">
+            <a:schemeClr val="accent1"/>
+          </a:effectRef>
+          <a:fontRef idx="minor">
+            <a:schemeClr val="lt1"/>
+          </a:fontRef>
+        </p:style>
+        <p:txBody>
+          <a:bodyPr rtlCol="0" anchor="ctr"/>
+          <a:lstStyle/>
+          <a:p>
+            <a:pPr algn="ctr"/>
+            <a:r>
+              <a:rPr kumimoji="1" lang="en-US" altLang="ja-JP" sz="1400" dirty="0">
+                <a:solidFill>
+                  <a:schemeClr val="accent1"/>
+                </a:solidFill>
+              </a:rPr>
+              <a:t>MILT</a:t>
+            </a:r>
+            <a:endParaRPr kumimoji="1" lang="ja-JP" altLang="en-US" sz="1400" dirty="0">
+              <a:solidFill>
+                <a:schemeClr val="accent1"/>
+              </a:solidFill>
+            </a:endParaRPr>
+          </a:p>
+        </p:txBody>
+      </p:sp>
+      <p:sp>
+        <p:nvSpPr>
+          <p:cNvPr id="49" name="テキスト ボックス 48">
+            <a:extLst>
+              <a:ext uri="{FF2B5EF4-FFF2-40B4-BE49-F238E27FC236}">
+                <a16:creationId xmlns:a16="http://schemas.microsoft.com/office/drawing/2014/main" id="{0246A559-93B1-4CBC-9381-B1BE305BCABC}"/>
+              </a:ext>
+            </a:extLst>
+          </p:cNvPr>
+          <p:cNvSpPr txBox="1"/>
+          <p:nvPr/>
+        </p:nvSpPr>
+        <p:spPr>
+          <a:xfrm>
+            <a:off x="623418" y="4737252"/>
+            <a:ext cx="1632178" cy="369332"/>
+          </a:xfrm>
+          <a:prstGeom prst="rect">
+            <a:avLst/>
+          </a:prstGeom>
+          <a:noFill/>
+        </p:spPr>
+        <p:txBody>
+          <a:bodyPr wrap="none" rtlCol="0">
+            <a:spAutoFit/>
+          </a:bodyPr>
+          <a:lstStyle/>
+          <a:p>
+            <a:pPr algn="ctr"/>
+            <a:r>
+              <a:rPr kumimoji="1" lang="en-US" altLang="ja-JP" dirty="0"/>
+              <a:t>External Data</a:t>
+            </a:r>
+            <a:endParaRPr kumimoji="1" lang="ja-JP" altLang="en-US" dirty="0"/>
+          </a:p>
+        </p:txBody>
+      </p:sp>
+      <p:sp>
+        <p:nvSpPr>
+          <p:cNvPr id="50" name="正方形/長方形 49">
+            <a:extLst>
+              <a:ext uri="{FF2B5EF4-FFF2-40B4-BE49-F238E27FC236}">
+                <a16:creationId xmlns:a16="http://schemas.microsoft.com/office/drawing/2014/main" id="{CB2807B6-3ADE-4B94-87D0-9CC2D31F7AF7}"/>
+              </a:ext>
+            </a:extLst>
+          </p:cNvPr>
+          <p:cNvSpPr/>
+          <p:nvPr/>
+        </p:nvSpPr>
+        <p:spPr>
+          <a:xfrm>
+            <a:off x="1243590" y="5085429"/>
+            <a:ext cx="931927" cy="720437"/>
+          </a:xfrm>
+          <a:prstGeom prst="rect">
+            <a:avLst/>
+          </a:prstGeom>
+          <a:solidFill>
+            <a:schemeClr val="bg1"/>
+          </a:solidFill>
+          <a:ln w="38100">
+            <a:solidFill>
+              <a:schemeClr val="accent1"/>
+            </a:solidFill>
+          </a:ln>
+        </p:spPr>
+        <p:style>
+          <a:lnRef idx="2">
+            <a:schemeClr val="accent1">
+              <a:shade val="50000"/>
+            </a:schemeClr>
+          </a:lnRef>
+          <a:fillRef idx="1">
+            <a:schemeClr val="accent1"/>
+          </a:fillRef>
+          <a:effectRef idx="0">
+            <a:schemeClr val="accent1"/>
+          </a:effectRef>
+          <a:fontRef idx="minor">
+            <a:schemeClr val="lt1"/>
+          </a:fontRef>
+        </p:style>
+        <p:txBody>
+          <a:bodyPr rtlCol="0" anchor="ctr"/>
+          <a:lstStyle/>
+          <a:p>
+            <a:pPr algn="ctr"/>
+            <a:r>
+              <a:rPr kumimoji="1" lang="en-US" altLang="ja-JP" sz="1200" dirty="0">
+                <a:solidFill>
+                  <a:schemeClr val="accent1"/>
+                </a:solidFill>
+              </a:rPr>
+              <a:t>WikiPedia</a:t>
+            </a:r>
+            <a:endParaRPr kumimoji="1" lang="ja-JP" altLang="en-US" sz="1200" dirty="0">
+              <a:solidFill>
+                <a:schemeClr val="accent1"/>
+              </a:solidFill>
+            </a:endParaRPr>
+          </a:p>
+        </p:txBody>
+      </p:sp>
+      <p:sp>
+        <p:nvSpPr>
+          <p:cNvPr id="33" name="矢印: 下 32">
+            <a:extLst>
+              <a:ext uri="{FF2B5EF4-FFF2-40B4-BE49-F238E27FC236}">
+                <a16:creationId xmlns:a16="http://schemas.microsoft.com/office/drawing/2014/main" id="{525D3991-70EA-420E-9DEF-0FAE1535BF9D}"/>
+              </a:ext>
+            </a:extLst>
+          </p:cNvPr>
+          <p:cNvSpPr/>
+          <p:nvPr/>
+        </p:nvSpPr>
+        <p:spPr>
+          <a:xfrm>
+            <a:off x="302003" y="4285904"/>
+            <a:ext cx="3015963" cy="388888"/>
+          </a:xfrm>
+          <a:prstGeom prst="downArrow">
+            <a:avLst>
+              <a:gd name="adj1" fmla="val 50000"/>
+              <a:gd name="adj2" fmla="val 66950"/>
+            </a:avLst>
+          </a:prstGeom>
+          <a:solidFill>
+            <a:schemeClr val="bg1">
+              <a:lumMod val="75000"/>
+            </a:schemeClr>
+          </a:solidFill>
+          <a:ln>
+            <a:solidFill>
+              <a:schemeClr val="bg1"/>
+            </a:solidFill>
+          </a:ln>
+        </p:spPr>
+        <p:style>
+          <a:lnRef idx="2">
+            <a:schemeClr val="accent1">
+              <a:shade val="50000"/>
+            </a:schemeClr>
+          </a:lnRef>
+          <a:fillRef idx="1">
+            <a:schemeClr val="accent1"/>
+          </a:fillRef>
+          <a:effectRef idx="0">
+            <a:schemeClr val="accent1"/>
+          </a:effectRef>
+          <a:fontRef idx="minor">
+            <a:schemeClr val="lt1"/>
+          </a:fontRef>
+        </p:style>
+        <p:txBody>
+          <a:bodyPr rtlCol="0" anchor="ctr"/>
+          <a:lstStyle/>
+          <a:p>
+            <a:pPr algn="ctr"/>
+            <a:endParaRPr kumimoji="1" lang="ja-JP" altLang="en-US"/>
+          </a:p>
+        </p:txBody>
+      </p:sp>
+      <p:sp>
+        <p:nvSpPr>
+          <p:cNvPr id="51" name="矢印: 下 50">
+            <a:extLst>
+              <a:ext uri="{FF2B5EF4-FFF2-40B4-BE49-F238E27FC236}">
+                <a16:creationId xmlns:a16="http://schemas.microsoft.com/office/drawing/2014/main" id="{81862884-7C86-41B2-BB2D-999A737B6D35}"/>
+              </a:ext>
+            </a:extLst>
+          </p:cNvPr>
+          <p:cNvSpPr/>
+          <p:nvPr/>
+        </p:nvSpPr>
+        <p:spPr>
+          <a:xfrm>
+            <a:off x="3657671" y="4285904"/>
+            <a:ext cx="3015963" cy="388888"/>
+          </a:xfrm>
+          <a:prstGeom prst="downArrow">
+            <a:avLst>
+              <a:gd name="adj1" fmla="val 50000"/>
+              <a:gd name="adj2" fmla="val 66950"/>
+            </a:avLst>
+          </a:prstGeom>
+          <a:solidFill>
+            <a:schemeClr val="bg1">
+              <a:lumMod val="75000"/>
+            </a:schemeClr>
+          </a:solidFill>
+          <a:ln>
+            <a:solidFill>
+              <a:schemeClr val="bg1"/>
+            </a:solidFill>
+          </a:ln>
+        </p:spPr>
+        <p:style>
+          <a:lnRef idx="2">
+            <a:schemeClr val="accent1">
+              <a:shade val="50000"/>
+            </a:schemeClr>
+          </a:lnRef>
+          <a:fillRef idx="1">
+            <a:schemeClr val="accent1"/>
+          </a:fillRef>
+          <a:effectRef idx="0">
+            <a:schemeClr val="accent1"/>
+          </a:effectRef>
+          <a:fontRef idx="minor">
+            <a:schemeClr val="lt1"/>
+          </a:fontRef>
+        </p:style>
+        <p:txBody>
+          <a:bodyPr rtlCol="0" anchor="ctr"/>
+          <a:lstStyle/>
+          <a:p>
+            <a:pPr algn="ctr"/>
+            <a:endParaRPr kumimoji="1" lang="ja-JP" altLang="en-US"/>
+          </a:p>
+        </p:txBody>
+      </p:sp>
+      <p:sp>
+        <p:nvSpPr>
+          <p:cNvPr id="52" name="矢印: 下 51">
+            <a:extLst>
+              <a:ext uri="{FF2B5EF4-FFF2-40B4-BE49-F238E27FC236}">
+                <a16:creationId xmlns:a16="http://schemas.microsoft.com/office/drawing/2014/main" id="{0744583F-F5DB-442D-A486-22CEA20630F2}"/>
+              </a:ext>
+            </a:extLst>
+          </p:cNvPr>
+          <p:cNvSpPr/>
+          <p:nvPr/>
+        </p:nvSpPr>
+        <p:spPr>
+          <a:xfrm>
+            <a:off x="7502333" y="4285904"/>
+            <a:ext cx="3015963" cy="388888"/>
+          </a:xfrm>
+          <a:prstGeom prst="downArrow">
+            <a:avLst>
+              <a:gd name="adj1" fmla="val 50000"/>
+              <a:gd name="adj2" fmla="val 66950"/>
+            </a:avLst>
+          </a:prstGeom>
+          <a:solidFill>
+            <a:schemeClr val="bg1">
+              <a:lumMod val="75000"/>
+            </a:schemeClr>
+          </a:solidFill>
+          <a:ln>
+            <a:solidFill>
+              <a:schemeClr val="bg1"/>
+            </a:solidFill>
+          </a:ln>
+        </p:spPr>
+        <p:style>
+          <a:lnRef idx="2">
+            <a:schemeClr val="accent1">
+              <a:shade val="50000"/>
+            </a:schemeClr>
+          </a:lnRef>
+          <a:fillRef idx="1">
+            <a:schemeClr val="accent1"/>
+          </a:fillRef>
+          <a:effectRef idx="0">
+            <a:schemeClr val="accent1"/>
+          </a:effectRef>
+          <a:fontRef idx="minor">
+            <a:schemeClr val="lt1"/>
+          </a:fontRef>
+        </p:style>
+        <p:txBody>
+          <a:bodyPr rtlCol="0" anchor="ctr"/>
+          <a:lstStyle/>
+          <a:p>
+            <a:pPr algn="ctr"/>
+            <a:endParaRPr kumimoji="1" lang="ja-JP" altLang="en-US"/>
+          </a:p>
+        </p:txBody>
+      </p:sp>
+      <p:pic>
+        <p:nvPicPr>
+          <p:cNvPr id="56" name="図 55">
+            <a:extLst>
+              <a:ext uri="{FF2B5EF4-FFF2-40B4-BE49-F238E27FC236}">
+                <a16:creationId xmlns:a16="http://schemas.microsoft.com/office/drawing/2014/main" id="{783822F2-00FE-43AC-A29B-168E08196A39}"/>
+              </a:ext>
+            </a:extLst>
+          </p:cNvPr>
+          <p:cNvPicPr>
+            <a:picLocks noChangeAspect="1"/>
+          </p:cNvPicPr>
+          <p:nvPr/>
+        </p:nvPicPr>
+        <p:blipFill>
+          <a:blip r:embed="rId2"/>
+          <a:stretch>
+            <a:fillRect/>
+          </a:stretch>
+        </p:blipFill>
+        <p:spPr>
+          <a:xfrm>
+            <a:off x="4674666" y="152297"/>
+            <a:ext cx="479480" cy="474296"/>
+          </a:xfrm>
+          <a:prstGeom prst="rect">
+            <a:avLst/>
+          </a:prstGeom>
+        </p:spPr>
+      </p:pic>
+      <p:sp>
+        <p:nvSpPr>
+          <p:cNvPr id="57" name="テキスト ボックス 56">
+            <a:extLst>
+              <a:ext uri="{FF2B5EF4-FFF2-40B4-BE49-F238E27FC236}">
+                <a16:creationId xmlns:a16="http://schemas.microsoft.com/office/drawing/2014/main" id="{C1622A01-5E10-48BB-9345-FA46C8146B6F}"/>
+              </a:ext>
+            </a:extLst>
+          </p:cNvPr>
+          <p:cNvSpPr txBox="1"/>
+          <p:nvPr/>
+        </p:nvSpPr>
+        <p:spPr>
+          <a:xfrm>
+            <a:off x="5154146" y="216663"/>
+            <a:ext cx="869149" cy="369332"/>
+          </a:xfrm>
+          <a:prstGeom prst="rect">
+            <a:avLst/>
+          </a:prstGeom>
+          <a:noFill/>
+        </p:spPr>
+        <p:txBody>
+          <a:bodyPr wrap="none" rtlCol="0">
+            <a:spAutoFit/>
+          </a:bodyPr>
+          <a:lstStyle/>
+          <a:p>
+            <a:pPr algn="ctr"/>
+            <a:r>
+              <a:rPr kumimoji="1" lang="en-US" altLang="ja-JP" dirty="0"/>
+              <a:t>NLP4J</a:t>
+            </a:r>
+            <a:endParaRPr kumimoji="1" lang="ja-JP" altLang="en-US" dirty="0"/>
+          </a:p>
+        </p:txBody>
+      </p:sp>
+      <p:sp>
+        <p:nvSpPr>
+          <p:cNvPr id="60" name="正方形/長方形 59">
+            <a:extLst>
+              <a:ext uri="{FF2B5EF4-FFF2-40B4-BE49-F238E27FC236}">
+                <a16:creationId xmlns:a16="http://schemas.microsoft.com/office/drawing/2014/main" id="{944867AE-91F7-43A6-AD5F-05E88BF12460}"/>
+              </a:ext>
+            </a:extLst>
+          </p:cNvPr>
+          <p:cNvSpPr/>
+          <p:nvPr/>
+        </p:nvSpPr>
+        <p:spPr>
+          <a:xfrm>
+            <a:off x="10867275" y="806119"/>
+            <a:ext cx="777127" cy="3010704"/>
+          </a:xfrm>
+          <a:prstGeom prst="rect">
+            <a:avLst/>
+          </a:prstGeom>
+          <a:solidFill>
+            <a:schemeClr val="accent6"/>
+          </a:solidFill>
+          <a:ln>
+            <a:noFill/>
+          </a:ln>
+        </p:spPr>
+        <p:style>
+          <a:lnRef idx="2">
+            <a:schemeClr val="accent1">
+              <a:shade val="50000"/>
+            </a:schemeClr>
+          </a:lnRef>
+          <a:fillRef idx="1">
+            <a:schemeClr val="accent1"/>
+          </a:fillRef>
+          <a:effectRef idx="0">
+            <a:schemeClr val="accent1"/>
+          </a:effectRef>
+          <a:fontRef idx="minor">
+            <a:schemeClr val="lt1"/>
+          </a:fontRef>
+        </p:style>
+        <p:txBody>
+          <a:bodyPr rtlCol="0" anchor="ctr"/>
+          <a:lstStyle/>
+          <a:p>
+            <a:pPr algn="ctr"/>
+            <a:r>
+              <a:rPr lang="en-US" altLang="ja-JP" sz="1600" dirty="0"/>
+              <a:t>Web</a:t>
+            </a:r>
+            <a:br>
+              <a:rPr lang="en-US" altLang="ja-JP" sz="1600" dirty="0"/>
+            </a:br>
+            <a:r>
+              <a:rPr lang="en-US" altLang="ja-JP" sz="1600" dirty="0"/>
+              <a:t>App</a:t>
+            </a:r>
+            <a:endParaRPr kumimoji="1" lang="ja-JP" altLang="en-US" sz="1600" dirty="0"/>
+          </a:p>
+        </p:txBody>
+      </p:sp>
+      <p:sp>
+        <p:nvSpPr>
+          <p:cNvPr id="61" name="正方形/長方形 60">
+            <a:extLst>
+              <a:ext uri="{FF2B5EF4-FFF2-40B4-BE49-F238E27FC236}">
+                <a16:creationId xmlns:a16="http://schemas.microsoft.com/office/drawing/2014/main" id="{252AE935-044D-4213-9559-7FF2EE30BBE4}"/>
+              </a:ext>
+            </a:extLst>
+          </p:cNvPr>
+          <p:cNvSpPr/>
+          <p:nvPr/>
+        </p:nvSpPr>
+        <p:spPr>
+          <a:xfrm>
+            <a:off x="5479965" y="5078927"/>
+            <a:ext cx="1096842" cy="720437"/>
+          </a:xfrm>
+          <a:prstGeom prst="rect">
+            <a:avLst/>
+          </a:prstGeom>
+          <a:solidFill>
+            <a:schemeClr val="bg1"/>
+          </a:solidFill>
+          <a:ln w="38100">
+            <a:solidFill>
+              <a:schemeClr val="accent1"/>
+            </a:solidFill>
+          </a:ln>
+        </p:spPr>
+        <p:style>
+          <a:lnRef idx="2">
+            <a:schemeClr val="accent1">
+              <a:shade val="50000"/>
+            </a:schemeClr>
+          </a:lnRef>
+          <a:fillRef idx="1">
+            <a:schemeClr val="accent1"/>
+          </a:fillRef>
+          <a:effectRef idx="0">
+            <a:schemeClr val="accent1"/>
+          </a:effectRef>
+          <a:fontRef idx="minor">
+            <a:schemeClr val="lt1"/>
+          </a:fontRef>
+        </p:style>
+        <p:txBody>
+          <a:bodyPr rtlCol="0" anchor="ctr"/>
+          <a:lstStyle/>
+          <a:p>
+            <a:pPr algn="ctr"/>
+            <a:r>
+              <a:rPr lang="en-US" altLang="ja-JP" sz="1400" dirty="0">
+                <a:solidFill>
+                  <a:schemeClr val="accent1"/>
+                </a:solidFill>
+              </a:rPr>
+              <a:t>Kuromoji</a:t>
+            </a:r>
+            <a:endParaRPr kumimoji="1" lang="ja-JP" altLang="en-US" sz="1400" dirty="0">
+              <a:solidFill>
+                <a:schemeClr val="accent1"/>
+              </a:solidFill>
+            </a:endParaRPr>
+          </a:p>
+        </p:txBody>
+      </p:sp>
+      <p:sp>
+        <p:nvSpPr>
+          <p:cNvPr id="62" name="テキスト ボックス 61">
+            <a:extLst>
+              <a:ext uri="{FF2B5EF4-FFF2-40B4-BE49-F238E27FC236}">
+                <a16:creationId xmlns:a16="http://schemas.microsoft.com/office/drawing/2014/main" id="{D92F0B4A-3B14-4DD7-AE6F-3C07EC1E7F52}"/>
+              </a:ext>
+            </a:extLst>
+          </p:cNvPr>
+          <p:cNvSpPr txBox="1"/>
+          <p:nvPr/>
+        </p:nvSpPr>
+        <p:spPr>
+          <a:xfrm>
+            <a:off x="2178817" y="6344354"/>
+            <a:ext cx="572593" cy="369332"/>
+          </a:xfrm>
+          <a:prstGeom prst="rect">
+            <a:avLst/>
+          </a:prstGeom>
+          <a:noFill/>
+        </p:spPr>
+        <p:txBody>
+          <a:bodyPr wrap="none" rtlCol="0">
+            <a:spAutoFit/>
+          </a:bodyPr>
+          <a:lstStyle/>
+          <a:p>
+            <a:r>
+              <a:rPr lang="en-US" altLang="ja-JP" dirty="0">
+                <a:solidFill>
+                  <a:schemeClr val="accent1"/>
+                </a:solidFill>
+              </a:rPr>
+              <a:t>etc.</a:t>
+            </a:r>
+            <a:endParaRPr kumimoji="1" lang="ja-JP" altLang="en-US" dirty="0">
+              <a:solidFill>
+                <a:schemeClr val="accent1"/>
+              </a:solidFill>
+            </a:endParaRPr>
+          </a:p>
+        </p:txBody>
+      </p:sp>
+      <p:sp>
+        <p:nvSpPr>
+          <p:cNvPr id="63" name="テキスト ボックス 62">
+            <a:extLst>
+              <a:ext uri="{FF2B5EF4-FFF2-40B4-BE49-F238E27FC236}">
+                <a16:creationId xmlns:a16="http://schemas.microsoft.com/office/drawing/2014/main" id="{FAB6AAED-1D79-4085-A724-FBCEFD390F5E}"/>
+              </a:ext>
+            </a:extLst>
+          </p:cNvPr>
+          <p:cNvSpPr txBox="1"/>
+          <p:nvPr/>
+        </p:nvSpPr>
+        <p:spPr>
+          <a:xfrm>
+            <a:off x="6569069" y="6344354"/>
+            <a:ext cx="572593" cy="369332"/>
+          </a:xfrm>
+          <a:prstGeom prst="rect">
+            <a:avLst/>
+          </a:prstGeom>
+          <a:noFill/>
+        </p:spPr>
+        <p:txBody>
+          <a:bodyPr wrap="none" rtlCol="0">
+            <a:spAutoFit/>
+          </a:bodyPr>
+          <a:lstStyle/>
+          <a:p>
+            <a:r>
+              <a:rPr lang="en-US" altLang="ja-JP" dirty="0">
+                <a:solidFill>
+                  <a:schemeClr val="accent1"/>
+                </a:solidFill>
+              </a:rPr>
+              <a:t>etc.</a:t>
+            </a:r>
+            <a:endParaRPr kumimoji="1" lang="ja-JP" altLang="en-US" dirty="0">
+              <a:solidFill>
+                <a:schemeClr val="accent1"/>
+              </a:solidFill>
+            </a:endParaRPr>
+          </a:p>
+        </p:txBody>
+      </p:sp>
+      <p:sp>
+        <p:nvSpPr>
+          <p:cNvPr id="64" name="正方形/長方形 63">
+            <a:extLst>
+              <a:ext uri="{FF2B5EF4-FFF2-40B4-BE49-F238E27FC236}">
+                <a16:creationId xmlns:a16="http://schemas.microsoft.com/office/drawing/2014/main" id="{4DDD0F53-559D-45DC-B709-982FFB56558F}"/>
+              </a:ext>
+            </a:extLst>
+          </p:cNvPr>
+          <p:cNvSpPr/>
+          <p:nvPr/>
+        </p:nvSpPr>
+        <p:spPr>
+          <a:xfrm>
+            <a:off x="9232409" y="5085429"/>
+            <a:ext cx="1551711" cy="720437"/>
+          </a:xfrm>
+          <a:prstGeom prst="rect">
+            <a:avLst/>
+          </a:prstGeom>
+          <a:solidFill>
+            <a:schemeClr val="bg1"/>
+          </a:solidFill>
+          <a:ln w="38100">
+            <a:solidFill>
+              <a:schemeClr val="accent1"/>
+            </a:solidFill>
+          </a:ln>
+        </p:spPr>
+        <p:style>
+          <a:lnRef idx="2">
+            <a:schemeClr val="accent1">
+              <a:shade val="50000"/>
+            </a:schemeClr>
+          </a:lnRef>
+          <a:fillRef idx="1">
+            <a:schemeClr val="accent1"/>
+          </a:fillRef>
+          <a:effectRef idx="0">
+            <a:schemeClr val="accent1"/>
+          </a:effectRef>
+          <a:fontRef idx="minor">
+            <a:schemeClr val="lt1"/>
+          </a:fontRef>
+        </p:style>
+        <p:txBody>
+          <a:bodyPr rtlCol="0" anchor="ctr"/>
+          <a:lstStyle/>
+          <a:p>
+            <a:pPr algn="ctr"/>
+            <a:r>
+              <a:rPr lang="en-US" altLang="ja-JP" sz="1400" dirty="0">
+                <a:solidFill>
+                  <a:schemeClr val="accent1"/>
+                </a:solidFill>
+              </a:rPr>
+              <a:t>Word2Vec</a:t>
+            </a:r>
+            <a:endParaRPr kumimoji="1" lang="ja-JP" altLang="en-US" sz="1400" dirty="0">
+              <a:solidFill>
+                <a:schemeClr val="accent1"/>
+              </a:solidFill>
+            </a:endParaRPr>
+          </a:p>
+        </p:txBody>
+      </p:sp>
+      <p:sp>
+        <p:nvSpPr>
+          <p:cNvPr id="65" name="テキスト ボックス 64">
+            <a:extLst>
+              <a:ext uri="{FF2B5EF4-FFF2-40B4-BE49-F238E27FC236}">
+                <a16:creationId xmlns:a16="http://schemas.microsoft.com/office/drawing/2014/main" id="{278120DB-0AF6-4D5E-8541-4223376D8610}"/>
+              </a:ext>
+            </a:extLst>
+          </p:cNvPr>
+          <p:cNvSpPr txBox="1"/>
+          <p:nvPr/>
+        </p:nvSpPr>
+        <p:spPr>
+          <a:xfrm>
+            <a:off x="9721967" y="6100538"/>
+            <a:ext cx="572593" cy="369332"/>
+          </a:xfrm>
+          <a:prstGeom prst="rect">
+            <a:avLst/>
+          </a:prstGeom>
+          <a:noFill/>
+        </p:spPr>
+        <p:txBody>
+          <a:bodyPr wrap="none" rtlCol="0">
+            <a:spAutoFit/>
+          </a:bodyPr>
+          <a:lstStyle/>
+          <a:p>
+            <a:r>
+              <a:rPr lang="en-US" altLang="ja-JP" dirty="0">
+                <a:solidFill>
+                  <a:schemeClr val="accent1"/>
+                </a:solidFill>
+              </a:rPr>
+              <a:t>etc.</a:t>
+            </a:r>
+            <a:endParaRPr kumimoji="1" lang="ja-JP" altLang="en-US" dirty="0">
+              <a:solidFill>
+                <a:schemeClr val="accent1"/>
+              </a:solidFill>
+            </a:endParaRPr>
+          </a:p>
+        </p:txBody>
+      </p:sp>
+      <p:sp>
+        <p:nvSpPr>
+          <p:cNvPr id="66" name="正方形/長方形 65">
+            <a:extLst>
+              <a:ext uri="{FF2B5EF4-FFF2-40B4-BE49-F238E27FC236}">
+                <a16:creationId xmlns:a16="http://schemas.microsoft.com/office/drawing/2014/main" id="{339F3409-69FC-47C8-BB3D-5CC32D2AA06B}"/>
+              </a:ext>
+            </a:extLst>
+          </p:cNvPr>
+          <p:cNvSpPr/>
+          <p:nvPr/>
+        </p:nvSpPr>
+        <p:spPr>
+          <a:xfrm>
+            <a:off x="1234317" y="5933150"/>
+            <a:ext cx="931927" cy="720437"/>
+          </a:xfrm>
+          <a:prstGeom prst="rect">
+            <a:avLst/>
+          </a:prstGeom>
+          <a:solidFill>
+            <a:schemeClr val="bg1"/>
+          </a:solidFill>
+          <a:ln w="38100">
+            <a:solidFill>
+              <a:schemeClr val="accent1"/>
+            </a:solidFill>
+          </a:ln>
+        </p:spPr>
+        <p:style>
+          <a:lnRef idx="2">
+            <a:schemeClr val="accent1">
+              <a:shade val="50000"/>
+            </a:schemeClr>
+          </a:lnRef>
+          <a:fillRef idx="1">
+            <a:schemeClr val="accent1"/>
+          </a:fillRef>
+          <a:effectRef idx="0">
+            <a:schemeClr val="accent1"/>
+          </a:effectRef>
+          <a:fontRef idx="minor">
+            <a:schemeClr val="lt1"/>
+          </a:fontRef>
+        </p:style>
+        <p:txBody>
+          <a:bodyPr rtlCol="0" anchor="ctr"/>
+          <a:lstStyle/>
+          <a:p>
+            <a:pPr algn="ctr"/>
+            <a:r>
+              <a:rPr kumimoji="1" lang="en-US" altLang="ja-JP" sz="1400" dirty="0">
+                <a:solidFill>
+                  <a:schemeClr val="accent1"/>
+                </a:solidFill>
+              </a:rPr>
+              <a:t>Twitter</a:t>
+            </a:r>
+            <a:endParaRPr kumimoji="1" lang="ja-JP" altLang="en-US" sz="1400" dirty="0">
+              <a:solidFill>
+                <a:schemeClr val="accent1"/>
+              </a:solidFill>
+            </a:endParaRPr>
+          </a:p>
+        </p:txBody>
+      </p:sp>
+    </p:spTree>
+    <p:extLst>
+      <p:ext uri="{BB962C8B-B14F-4D97-AF65-F5344CB8AC3E}">
+        <p14:creationId xmlns:p14="http://schemas.microsoft.com/office/powerpoint/2010/main" val="3413307425"/>
+      </p:ext>
+    </p:extLst>
+  </p:cSld>
+  <p:clrMapOvr>
+    <a:masterClrMapping/>
+  </p:clrMapOvr>
+</p:sld>
+</file>
+
 <file path=ppt/theme/theme1.xml><?xml version="1.0" encoding="utf-8"?>
 <a:theme xmlns:a="http://schemas.openxmlformats.org/drawingml/2006/main" name="Office テーマ">
   <a:themeElements>
